--- a/CalendarioAgo2023/presentaciones/10_Matrices.pptx
+++ b/CalendarioAgo2023/presentaciones/10_Matrices.pptx
@@ -233,7 +233,7 @@
           <a:p>
             <a:fld id="{9CE7A054-6D4F-4ED4-B3E7-62AC408CF793}" type="datetimeFigureOut">
               <a:rPr lang="es-MX" smtClean="0"/>
-              <a:t>04/04/2022</a:t>
+              <a:t>25/09/2023</a:t>
             </a:fld>
             <a:endParaRPr lang="es-MX"/>
           </a:p>
@@ -1354,7 +1354,7 @@
           <a:p>
             <a:fld id="{05B1B184-8162-40A9-BCCC-182276235E4C}" type="datetimeFigureOut">
               <a:rPr lang="es-MX" smtClean="0"/>
-              <a:t>04/04/2022</a:t>
+              <a:t>25/09/2023</a:t>
             </a:fld>
             <a:endParaRPr lang="es-MX"/>
           </a:p>
@@ -1524,7 +1524,7 @@
           <a:p>
             <a:fld id="{05B1B184-8162-40A9-BCCC-182276235E4C}" type="datetimeFigureOut">
               <a:rPr lang="es-MX" smtClean="0"/>
-              <a:t>04/04/2022</a:t>
+              <a:t>25/09/2023</a:t>
             </a:fld>
             <a:endParaRPr lang="es-MX"/>
           </a:p>
@@ -1704,7 +1704,7 @@
           <a:p>
             <a:fld id="{05B1B184-8162-40A9-BCCC-182276235E4C}" type="datetimeFigureOut">
               <a:rPr lang="es-MX" smtClean="0"/>
-              <a:t>04/04/2022</a:t>
+              <a:t>25/09/2023</a:t>
             </a:fld>
             <a:endParaRPr lang="es-MX"/>
           </a:p>
@@ -1857,7 +1857,7 @@
           <a:p>
             <a:fld id="{1D8BD707-D9CF-40AE-B4C6-C98DA3205C09}" type="datetimeFigureOut">
               <a:rPr lang="en-US" smtClean="0"/>
-              <a:t>4/4/2022</a:t>
+              <a:t>9/25/2023</a:t>
             </a:fld>
             <a:endParaRPr lang="en-US"/>
           </a:p>
@@ -2017,7 +2017,7 @@
           <a:p>
             <a:fld id="{05B1B184-8162-40A9-BCCC-182276235E4C}" type="datetimeFigureOut">
               <a:rPr lang="es-MX" smtClean="0"/>
-              <a:t>04/04/2022</a:t>
+              <a:t>25/09/2023</a:t>
             </a:fld>
             <a:endParaRPr lang="es-MX"/>
           </a:p>
@@ -2263,7 +2263,7 @@
           <a:p>
             <a:fld id="{05B1B184-8162-40A9-BCCC-182276235E4C}" type="datetimeFigureOut">
               <a:rPr lang="es-MX" smtClean="0"/>
-              <a:t>04/04/2022</a:t>
+              <a:t>25/09/2023</a:t>
             </a:fld>
             <a:endParaRPr lang="es-MX"/>
           </a:p>
@@ -2551,7 +2551,7 @@
           <a:p>
             <a:fld id="{05B1B184-8162-40A9-BCCC-182276235E4C}" type="datetimeFigureOut">
               <a:rPr lang="es-MX" smtClean="0"/>
-              <a:t>04/04/2022</a:t>
+              <a:t>25/09/2023</a:t>
             </a:fld>
             <a:endParaRPr lang="es-MX"/>
           </a:p>
@@ -2973,7 +2973,7 @@
           <a:p>
             <a:fld id="{05B1B184-8162-40A9-BCCC-182276235E4C}" type="datetimeFigureOut">
               <a:rPr lang="es-MX" smtClean="0"/>
-              <a:t>04/04/2022</a:t>
+              <a:t>25/09/2023</a:t>
             </a:fld>
             <a:endParaRPr lang="es-MX"/>
           </a:p>
@@ -3091,7 +3091,7 @@
           <a:p>
             <a:fld id="{05B1B184-8162-40A9-BCCC-182276235E4C}" type="datetimeFigureOut">
               <a:rPr lang="es-MX" smtClean="0"/>
-              <a:t>04/04/2022</a:t>
+              <a:t>25/09/2023</a:t>
             </a:fld>
             <a:endParaRPr lang="es-MX"/>
           </a:p>
@@ -3186,7 +3186,7 @@
           <a:p>
             <a:fld id="{05B1B184-8162-40A9-BCCC-182276235E4C}" type="datetimeFigureOut">
               <a:rPr lang="es-MX" smtClean="0"/>
-              <a:t>04/04/2022</a:t>
+              <a:t>25/09/2023</a:t>
             </a:fld>
             <a:endParaRPr lang="es-MX"/>
           </a:p>
@@ -3463,7 +3463,7 @@
           <a:p>
             <a:fld id="{05B1B184-8162-40A9-BCCC-182276235E4C}" type="datetimeFigureOut">
               <a:rPr lang="es-MX" smtClean="0"/>
-              <a:t>04/04/2022</a:t>
+              <a:t>25/09/2023</a:t>
             </a:fld>
             <a:endParaRPr lang="es-MX"/>
           </a:p>
@@ -3716,7 +3716,7 @@
           <a:p>
             <a:fld id="{05B1B184-8162-40A9-BCCC-182276235E4C}" type="datetimeFigureOut">
               <a:rPr lang="es-MX" smtClean="0"/>
-              <a:t>04/04/2022</a:t>
+              <a:t>25/09/2023</a:t>
             </a:fld>
             <a:endParaRPr lang="es-MX"/>
           </a:p>
@@ -3929,7 +3929,7 @@
           <a:p>
             <a:fld id="{05B1B184-8162-40A9-BCCC-182276235E4C}" type="datetimeFigureOut">
               <a:rPr lang="es-MX" smtClean="0"/>
-              <a:t>04/04/2022</a:t>
+              <a:t>25/09/2023</a:t>
             </a:fld>
             <a:endParaRPr lang="es-MX"/>
           </a:p>
@@ -16847,7 +16847,7 @@
                 <a:latin typeface="Arial" pitchFamily="34" charset="0"/>
                 <a:cs typeface="Arial" pitchFamily="34" charset="0"/>
               </a:rPr>
-              <a:t>Esta estructura de doble ciclo nos permite recorrer todas las localidades el arreglo, con el primer ciclo </a:t>
+              <a:t>Esta estructura de doble ciclo nos permite recorrer todas las localidades la lista, con el primer ciclo </a:t>
             </a:r>
             <a:r>
               <a:rPr lang="es-ES_tradnl" sz="2000" b="1" dirty="0">
@@ -17698,7 +17698,7 @@
                   </a:schemeClr>
                 </a:solidFill>
               </a:rPr>
-              <a:t> (número de elementos) de cada lista o arreglo. La función deberá crear cada localidad de la matriz con el valor de </a:t>
+              <a:t> (número de elementos) de cada lista. La función deberá crear cada localidad de la matriz con el valor de </a:t>
             </a:r>
             <a:r>
               <a:rPr lang="es-ES_tradnl" sz="2200" b="1" dirty="0">
@@ -18498,7 +18498,7 @@
                 <a:latin typeface="Arial" pitchFamily="34" charset="0"/>
                 <a:cs typeface="Arial" pitchFamily="34" charset="0"/>
               </a:rPr>
-              <a:t>lista o arreglo</a:t>
+              <a:t>lista</a:t>
             </a:r>
             <a:r>
               <a:rPr lang="es-ES_tradnl" sz="2400" dirty="0">
@@ -18517,7 +18517,7 @@
                 <a:latin typeface="Arial" pitchFamily="34" charset="0"/>
                 <a:cs typeface="Arial" pitchFamily="34" charset="0"/>
               </a:rPr>
-              <a:t>lo definimos como </a:t>
+              <a:t>la definimos como </a:t>
             </a:r>
             <a:r>
               <a:rPr lang="es-ES_tradnl" sz="2400" b="1" dirty="0">
@@ -18546,7 +18546,7 @@
                 <a:latin typeface="Arial" pitchFamily="34" charset="0"/>
                 <a:cs typeface="Arial" pitchFamily="34" charset="0"/>
               </a:rPr>
-              <a:t>Decimos que la estructura de datos que definimos en el arreglo es de una sola dimensión ya que utilizamos un solo valor para identificar a cada localidad (0,1,2,...,n-1). </a:t>
+              <a:t>Decimos que la estructura de datos que definimos en la lista es de una sola dimensión ya que utilizamos un solo valor para identificar a cada localidad (0,1,2,...,n-1). </a:t>
             </a:r>
           </a:p>
         </p:txBody>
@@ -34980,7 +34980,7 @@
                 <a:latin typeface="Arial" pitchFamily="34" charset="0"/>
                 <a:cs typeface="Arial" pitchFamily="34" charset="0"/>
               </a:rPr>
-              <a:t>. Por ello, para hacer referencia a una localidad del arreglo se necesitan de dos números:   </a:t>
+              <a:t>. Por ello, para hacer referencia a una localidad de la matriz se necesitan de dos números:   </a:t>
             </a:r>
           </a:p>
           <a:p>
@@ -38159,7 +38159,7 @@
                 <a:latin typeface="Arial" pitchFamily="34" charset="0"/>
                 <a:cs typeface="Arial" pitchFamily="34" charset="0"/>
               </a:rPr>
-              <a:t>De la misma manera que en los arreglos, la numeración de renglones y de columnas inicia desde </a:t>
+              <a:t>De la misma manera que en las listas, la numeración de renglones y de columnas inicia desde </a:t>
             </a:r>
             <a:r>
               <a:rPr lang="es-ES_tradnl" sz="2000" b="1" dirty="0">
@@ -38941,7 +38941,7 @@
                 <a:latin typeface="Arial" pitchFamily="34" charset="0"/>
                 <a:cs typeface="Arial" pitchFamily="34" charset="0"/>
               </a:rPr>
-              <a:t>La definición de variables de tipo matriz es similar a los arreglos, la forma general de declarar una variable matriz es la siguiente: </a:t>
+              <a:t>La definición de variables de tipo matriz es similar a las listas, la forma general de declarar una variable matriz es la siguiente: </a:t>
             </a:r>
           </a:p>
           <a:p>
@@ -39309,7 +39309,21 @@
                 <a:latin typeface="Arial" pitchFamily="34" charset="0"/>
                 <a:cs typeface="Arial" pitchFamily="34" charset="0"/>
               </a:rPr>
-              <a:t> (en donde r es el número de renglones del arreglo) y que las </a:t>
+              <a:t> (en donde r es el número de renglones </a:t>
+            </a:r>
+            <a:r>
+              <a:rPr lang="es-ES_tradnl" sz="2000" dirty="0" err="1">
+                <a:latin typeface="Arial" pitchFamily="34" charset="0"/>
+                <a:cs typeface="Arial" pitchFamily="34" charset="0"/>
+              </a:rPr>
+              <a:t>dla</a:t>
+            </a:r>
+            <a:r>
+              <a:rPr lang="es-ES_tradnl" sz="2000" dirty="0">
+                <a:latin typeface="Arial" pitchFamily="34" charset="0"/>
+                <a:cs typeface="Arial" pitchFamily="34" charset="0"/>
+              </a:rPr>
+              <a:t> lista) y que las </a:t>
             </a:r>
             <a:r>
               <a:rPr lang="es-ES_tradnl" sz="2000" b="1" dirty="0">
@@ -39360,7 +39374,21 @@
                 <a:latin typeface="Arial" pitchFamily="34" charset="0"/>
                 <a:cs typeface="Arial" pitchFamily="34" charset="0"/>
               </a:rPr>
-              <a:t> (en donde c es el número de columnas del arreglo). </a:t>
+              <a:t> (en donde c es el número de columnas </a:t>
+            </a:r>
+            <a:r>
+              <a:rPr lang="es-ES_tradnl" sz="2000" dirty="0" err="1">
+                <a:latin typeface="Arial" pitchFamily="34" charset="0"/>
+                <a:cs typeface="Arial" pitchFamily="34" charset="0"/>
+              </a:rPr>
+              <a:t>dla</a:t>
+            </a:r>
+            <a:r>
+              <a:rPr lang="es-ES_tradnl" sz="2000" dirty="0">
+                <a:latin typeface="Arial" pitchFamily="34" charset="0"/>
+                <a:cs typeface="Arial" pitchFamily="34" charset="0"/>
+              </a:rPr>
+              <a:t> lista). </a:t>
             </a:r>
           </a:p>
         </p:txBody>

--- a/CalendarioAgo2023/presentaciones/10_Matrices.pptx
+++ b/CalendarioAgo2023/presentaciones/10_Matrices.pptx
@@ -233,7 +233,7 @@
           <a:p>
             <a:fld id="{9CE7A054-6D4F-4ED4-B3E7-62AC408CF793}" type="datetimeFigureOut">
               <a:rPr lang="es-MX" smtClean="0"/>
-              <a:t>25/09/2023</a:t>
+              <a:t>26/09/2023</a:t>
             </a:fld>
             <a:endParaRPr lang="es-MX"/>
           </a:p>
@@ -1354,7 +1354,7 @@
           <a:p>
             <a:fld id="{05B1B184-8162-40A9-BCCC-182276235E4C}" type="datetimeFigureOut">
               <a:rPr lang="es-MX" smtClean="0"/>
-              <a:t>25/09/2023</a:t>
+              <a:t>26/09/2023</a:t>
             </a:fld>
             <a:endParaRPr lang="es-MX"/>
           </a:p>
@@ -1524,7 +1524,7 @@
           <a:p>
             <a:fld id="{05B1B184-8162-40A9-BCCC-182276235E4C}" type="datetimeFigureOut">
               <a:rPr lang="es-MX" smtClean="0"/>
-              <a:t>25/09/2023</a:t>
+              <a:t>26/09/2023</a:t>
             </a:fld>
             <a:endParaRPr lang="es-MX"/>
           </a:p>
@@ -1704,7 +1704,7 @@
           <a:p>
             <a:fld id="{05B1B184-8162-40A9-BCCC-182276235E4C}" type="datetimeFigureOut">
               <a:rPr lang="es-MX" smtClean="0"/>
-              <a:t>25/09/2023</a:t>
+              <a:t>26/09/2023</a:t>
             </a:fld>
             <a:endParaRPr lang="es-MX"/>
           </a:p>
@@ -1857,7 +1857,7 @@
           <a:p>
             <a:fld id="{1D8BD707-D9CF-40AE-B4C6-C98DA3205C09}" type="datetimeFigureOut">
               <a:rPr lang="en-US" smtClean="0"/>
-              <a:t>9/25/2023</a:t>
+              <a:t>9/26/2023</a:t>
             </a:fld>
             <a:endParaRPr lang="en-US"/>
           </a:p>
@@ -2017,7 +2017,7 @@
           <a:p>
             <a:fld id="{05B1B184-8162-40A9-BCCC-182276235E4C}" type="datetimeFigureOut">
               <a:rPr lang="es-MX" smtClean="0"/>
-              <a:t>25/09/2023</a:t>
+              <a:t>26/09/2023</a:t>
             </a:fld>
             <a:endParaRPr lang="es-MX"/>
           </a:p>
@@ -2263,7 +2263,7 @@
           <a:p>
             <a:fld id="{05B1B184-8162-40A9-BCCC-182276235E4C}" type="datetimeFigureOut">
               <a:rPr lang="es-MX" smtClean="0"/>
-              <a:t>25/09/2023</a:t>
+              <a:t>26/09/2023</a:t>
             </a:fld>
             <a:endParaRPr lang="es-MX"/>
           </a:p>
@@ -2551,7 +2551,7 @@
           <a:p>
             <a:fld id="{05B1B184-8162-40A9-BCCC-182276235E4C}" type="datetimeFigureOut">
               <a:rPr lang="es-MX" smtClean="0"/>
-              <a:t>25/09/2023</a:t>
+              <a:t>26/09/2023</a:t>
             </a:fld>
             <a:endParaRPr lang="es-MX"/>
           </a:p>
@@ -2973,7 +2973,7 @@
           <a:p>
             <a:fld id="{05B1B184-8162-40A9-BCCC-182276235E4C}" type="datetimeFigureOut">
               <a:rPr lang="es-MX" smtClean="0"/>
-              <a:t>25/09/2023</a:t>
+              <a:t>26/09/2023</a:t>
             </a:fld>
             <a:endParaRPr lang="es-MX"/>
           </a:p>
@@ -3091,7 +3091,7 @@
           <a:p>
             <a:fld id="{05B1B184-8162-40A9-BCCC-182276235E4C}" type="datetimeFigureOut">
               <a:rPr lang="es-MX" smtClean="0"/>
-              <a:t>25/09/2023</a:t>
+              <a:t>26/09/2023</a:t>
             </a:fld>
             <a:endParaRPr lang="es-MX"/>
           </a:p>
@@ -3186,7 +3186,7 @@
           <a:p>
             <a:fld id="{05B1B184-8162-40A9-BCCC-182276235E4C}" type="datetimeFigureOut">
               <a:rPr lang="es-MX" smtClean="0"/>
-              <a:t>25/09/2023</a:t>
+              <a:t>26/09/2023</a:t>
             </a:fld>
             <a:endParaRPr lang="es-MX"/>
           </a:p>
@@ -3463,7 +3463,7 @@
           <a:p>
             <a:fld id="{05B1B184-8162-40A9-BCCC-182276235E4C}" type="datetimeFigureOut">
               <a:rPr lang="es-MX" smtClean="0"/>
-              <a:t>25/09/2023</a:t>
+              <a:t>26/09/2023</a:t>
             </a:fld>
             <a:endParaRPr lang="es-MX"/>
           </a:p>
@@ -3716,7 +3716,7 @@
           <a:p>
             <a:fld id="{05B1B184-8162-40A9-BCCC-182276235E4C}" type="datetimeFigureOut">
               <a:rPr lang="es-MX" smtClean="0"/>
-              <a:t>25/09/2023</a:t>
+              <a:t>26/09/2023</a:t>
             </a:fld>
             <a:endParaRPr lang="es-MX"/>
           </a:p>
@@ -3929,7 +3929,7 @@
           <a:p>
             <a:fld id="{05B1B184-8162-40A9-BCCC-182276235E4C}" type="datetimeFigureOut">
               <a:rPr lang="es-MX" smtClean="0"/>
-              <a:t>25/09/2023</a:t>
+              <a:t>26/09/2023</a:t>
             </a:fld>
             <a:endParaRPr lang="es-MX"/>
           </a:p>
@@ -18129,42 +18129,6 @@
           </a:p>
         </p:txBody>
       </p:sp>
-      <p:pic>
-        <p:nvPicPr>
-          <p:cNvPr id="5" name="1 Imagen">
-            <a:extLst>
-              <a:ext uri="{FF2B5EF4-FFF2-40B4-BE49-F238E27FC236}">
-                <a16:creationId xmlns:a16="http://schemas.microsoft.com/office/drawing/2014/main" id="{37068E68-732E-405B-9644-A0ED18C5990C}"/>
-              </a:ext>
-            </a:extLst>
-          </p:cNvPr>
-          <p:cNvPicPr>
-            <a:picLocks noChangeAspect="1"/>
-          </p:cNvPicPr>
-          <p:nvPr/>
-        </p:nvPicPr>
-        <p:blipFill>
-          <a:blip r:embed="rId3">
-            <a:extLst>
-              <a:ext uri="{28A0092B-C50C-407E-A947-70E740481C1C}">
-                <a14:useLocalDpi xmlns:a14="http://schemas.microsoft.com/office/drawing/2010/main" val="0"/>
-              </a:ext>
-            </a:extLst>
-          </a:blip>
-          <a:stretch>
-            <a:fillRect/>
-          </a:stretch>
-        </p:blipFill>
-        <p:spPr>
-          <a:xfrm>
-            <a:off x="7020272" y="1556792"/>
-            <a:ext cx="1728192" cy="1603861"/>
-          </a:xfrm>
-          <a:prstGeom prst="rect">
-            <a:avLst/>
-          </a:prstGeom>
-        </p:spPr>
-      </p:pic>
     </p:spTree>
     <p:extLst>
       <p:ext uri="{BB962C8B-B14F-4D97-AF65-F5344CB8AC3E}">
@@ -30108,7 +30072,7 @@
           <a:p>
             <a:pPr defTabSz="762000"/>
             <a:r>
-              <a:rPr lang="es-ES" sz="2700">
+              <a:rPr lang="es-ES" sz="2700" dirty="0">
                 <a:solidFill>
                   <a:srgbClr val="000000"/>
                 </a:solidFill>
@@ -30116,7 +30080,7 @@
               </a:rPr>
               <a:t>8</a:t>
             </a:r>
-            <a:endParaRPr lang="es-ES" sz="2400">
+            <a:endParaRPr lang="es-ES" sz="2400" dirty="0">
               <a:latin typeface="Times New Roman" pitchFamily="18" charset="0"/>
             </a:endParaRPr>
           </a:p>
@@ -30170,7 +30134,7 @@
           <a:p>
             <a:pPr defTabSz="762000"/>
             <a:r>
-              <a:rPr lang="es-ES" sz="2700">
+              <a:rPr lang="es-ES" sz="2700" dirty="0">
                 <a:solidFill>
                   <a:srgbClr val="000000"/>
                 </a:solidFill>
@@ -30178,7 +30142,7 @@
               </a:rPr>
               <a:t>5</a:t>
             </a:r>
-            <a:endParaRPr lang="es-ES" sz="2400">
+            <a:endParaRPr lang="es-ES" sz="2400" dirty="0">
               <a:latin typeface="Times New Roman" pitchFamily="18" charset="0"/>
             </a:endParaRPr>
           </a:p>
@@ -30666,7 +30630,7 @@
           <a:p>
             <a:pPr defTabSz="762000"/>
             <a:r>
-              <a:rPr lang="es-ES" sz="2700">
+              <a:rPr lang="es-ES" sz="2700" dirty="0">
                 <a:solidFill>
                   <a:srgbClr val="000000"/>
                 </a:solidFill>
@@ -30674,7 +30638,7 @@
               </a:rPr>
               <a:t>5</a:t>
             </a:r>
-            <a:endParaRPr lang="es-ES" sz="2400">
+            <a:endParaRPr lang="es-ES" sz="2400" dirty="0">
               <a:latin typeface="Times New Roman" pitchFamily="18" charset="0"/>
             </a:endParaRPr>
           </a:p>
@@ -30728,7 +30692,7 @@
           <a:p>
             <a:pPr defTabSz="762000"/>
             <a:r>
-              <a:rPr lang="es-ES" sz="2700">
+              <a:rPr lang="es-ES" sz="2700" dirty="0">
                 <a:solidFill>
                   <a:srgbClr val="000000"/>
                 </a:solidFill>
@@ -30736,7 +30700,7 @@
               </a:rPr>
               <a:t>3</a:t>
             </a:r>
-            <a:endParaRPr lang="es-ES" sz="2400">
+            <a:endParaRPr lang="es-ES" sz="2400" dirty="0">
               <a:latin typeface="Times New Roman" pitchFamily="18" charset="0"/>
             </a:endParaRPr>
           </a:p>
@@ -30790,7 +30754,7 @@
           <a:p>
             <a:pPr defTabSz="762000"/>
             <a:r>
-              <a:rPr lang="es-ES" sz="2700">
+              <a:rPr lang="es-ES" sz="2700" dirty="0">
                 <a:solidFill>
                   <a:srgbClr val="000000"/>
                 </a:solidFill>
@@ -30798,7 +30762,7 @@
               </a:rPr>
               <a:t>1</a:t>
             </a:r>
-            <a:endParaRPr lang="es-ES" sz="2400">
+            <a:endParaRPr lang="es-ES" sz="2400" dirty="0">
               <a:latin typeface="Times New Roman" pitchFamily="18" charset="0"/>
             </a:endParaRPr>
           </a:p>
@@ -31224,7 +31188,7 @@
           <a:p>
             <a:pPr defTabSz="762000"/>
             <a:r>
-              <a:rPr lang="es-ES" sz="2700">
+              <a:rPr lang="es-ES" sz="2700" dirty="0">
                 <a:solidFill>
                   <a:srgbClr val="000000"/>
                 </a:solidFill>
@@ -31232,7 +31196,7 @@
               </a:rPr>
               <a:t>3</a:t>
             </a:r>
-            <a:endParaRPr lang="es-ES" sz="2400">
+            <a:endParaRPr lang="es-ES" sz="2400" dirty="0">
               <a:latin typeface="Times New Roman" pitchFamily="18" charset="0"/>
             </a:endParaRPr>
           </a:p>
@@ -31286,7 +31250,7 @@
           <a:p>
             <a:pPr defTabSz="762000"/>
             <a:r>
-              <a:rPr lang="es-ES" sz="2700">
+              <a:rPr lang="es-ES" sz="2700" dirty="0">
                 <a:solidFill>
                   <a:srgbClr val="000000"/>
                 </a:solidFill>
@@ -31294,7 +31258,7 @@
               </a:rPr>
               <a:t>2</a:t>
             </a:r>
-            <a:endParaRPr lang="es-ES" sz="2400">
+            <a:endParaRPr lang="es-ES" sz="2400" dirty="0">
               <a:latin typeface="Times New Roman" pitchFamily="18" charset="0"/>
             </a:endParaRPr>
           </a:p>
@@ -31348,7 +31312,7 @@
           <a:p>
             <a:pPr defTabSz="762000"/>
             <a:r>
-              <a:rPr lang="es-ES" sz="2700">
+              <a:rPr lang="es-ES" sz="2700" dirty="0">
                 <a:solidFill>
                   <a:srgbClr val="000000"/>
                 </a:solidFill>
@@ -31356,7 +31320,7 @@
               </a:rPr>
               <a:t>1</a:t>
             </a:r>
-            <a:endParaRPr lang="es-ES" sz="2400">
+            <a:endParaRPr lang="es-ES" sz="2400" dirty="0">
               <a:latin typeface="Times New Roman" pitchFamily="18" charset="0"/>
             </a:endParaRPr>
           </a:p>
